--- a/Customer Churn Predictions using ml.pptx
+++ b/Customer Churn Predictions using ml.pptx
@@ -164,7 +164,7 @@
   <pc:docChgLst>
     <pc:chgData name="Chadi Ghosn" userId="279302baa774d34a" providerId="LiveId" clId="{F015656F-7789-419B-BD89-038381738E89}"/>
     <pc:docChg chg="undo redo custSel addSld delSld modSld sldOrd modMainMaster">
-      <pc:chgData name="Chadi Ghosn" userId="279302baa774d34a" providerId="LiveId" clId="{F015656F-7789-419B-BD89-038381738E89}" dt="2022-11-10T21:21:45.268" v="3973" actId="1036"/>
+      <pc:chgData name="Chadi Ghosn" userId="279302baa774d34a" providerId="LiveId" clId="{F015656F-7789-419B-BD89-038381738E89}" dt="2022-11-10T21:26:27.368" v="3986" actId="20577"/>
       <pc:docMkLst>
         <pc:docMk/>
       </pc:docMkLst>
@@ -497,6 +497,21 @@
             <ac:picMk id="28" creationId="{D4D09222-33EB-4F99-9A89-51E2E1E97584}"/>
           </ac:picMkLst>
         </pc:picChg>
+      </pc:sldChg>
+      <pc:sldChg chg="modSp mod">
+        <pc:chgData name="Chadi Ghosn" userId="279302baa774d34a" providerId="LiveId" clId="{F015656F-7789-419B-BD89-038381738E89}" dt="2022-11-10T21:26:27.368" v="3986" actId="20577"/>
+        <pc:sldMkLst>
+          <pc:docMk/>
+          <pc:sldMk cId="3927832306" sldId="2448"/>
+        </pc:sldMkLst>
+        <pc:spChg chg="mod">
+          <ac:chgData name="Chadi Ghosn" userId="279302baa774d34a" providerId="LiveId" clId="{F015656F-7789-419B-BD89-038381738E89}" dt="2022-11-10T21:26:27.368" v="3986" actId="20577"/>
+          <ac:spMkLst>
+            <pc:docMk/>
+            <pc:sldMk cId="3927832306" sldId="2448"/>
+            <ac:spMk id="3" creationId="{C0AE828D-1E63-455F-949D-0C5454A7FE88}"/>
+          </ac:spMkLst>
+        </pc:spChg>
       </pc:sldChg>
       <pc:sldChg chg="del">
         <pc:chgData name="Chadi Ghosn" userId="279302baa774d34a" providerId="LiveId" clId="{F015656F-7789-419B-BD89-038381738E89}" dt="2022-11-09T20:59:46.290" v="180" actId="47"/>
@@ -11107,7 +11122,7 @@
           <a:p>
             <a:r>
               <a:rPr lang="en-US" dirty="0"/>
-              <a:t>9.24.XX</a:t>
+              <a:t>14.11.2022</a:t>
             </a:r>
           </a:p>
         </p:txBody>
@@ -21116,6 +21131,15 @@
 </file>
 
 <file path=customXml/item2.xml><?xml version="1.0" encoding="utf-8"?>
+<?mso-contentType ?>
+<FormTemplates xmlns="http://schemas.microsoft.com/sharepoint/v3/contenttype/forms">
+  <Display>DocumentLibraryForm</Display>
+  <Edit>DocumentLibraryForm</Edit>
+  <New>DocumentLibraryForm</New>
+</FormTemplates>
+</file>
+
+<file path=customXml/item3.xml><?xml version="1.0" encoding="utf-8"?>
 <ct:contentTypeSchema xmlns:ct="http://schemas.microsoft.com/office/2006/metadata/contentType" xmlns:ma="http://schemas.microsoft.com/office/2006/metadata/properties/metaAttributes" ct:_="" ma:_="" ma:contentTypeName="Document" ma:contentTypeID="0x01010079F111ED35F8CC479449609E8A0923A6" ma:contentTypeVersion="12" ma:contentTypeDescription="Create a new document." ma:contentTypeScope="" ma:versionID="426e97fa315356fffbdcd9876fe988c2">
   <xsd:schema xmlns:xsd="http://www.w3.org/2001/XMLSchema" xmlns:xs="http://www.w3.org/2001/XMLSchema" xmlns:p="http://schemas.microsoft.com/office/2006/metadata/properties" xmlns:ns2="71af3243-3dd4-4a8d-8c0d-dd76da1f02a5" xmlns:ns3="16c05727-aa75-4e4a-9b5f-8a80a1165891" targetNamespace="http://schemas.microsoft.com/office/2006/metadata/properties" ma:root="true" ma:fieldsID="14b8f0def80e6d70ce3def20c90759ae" ns2:_="" ns3:_="">
     <xsd:import namespace="71af3243-3dd4-4a8d-8c0d-dd76da1f02a5"/>
@@ -21336,15 +21360,6 @@
 </ct:contentTypeSchema>
 </file>
 
-<file path=customXml/item3.xml><?xml version="1.0" encoding="utf-8"?>
-<?mso-contentType ?>
-<FormTemplates xmlns="http://schemas.microsoft.com/sharepoint/v3/contenttype/forms">
-  <Display>DocumentLibraryForm</Display>
-  <Edit>DocumentLibraryForm</Edit>
-  <New>DocumentLibraryForm</New>
-</FormTemplates>
-</file>
-
 <file path=customXml/itemProps1.xml><?xml version="1.0" encoding="utf-8"?>
 <ds:datastoreItem xmlns:ds="http://schemas.openxmlformats.org/officeDocument/2006/customXml" ds:itemID="{E3D9F223-918A-45AF-9B53-56AB9E5E2182}">
   <ds:schemaRefs>
@@ -21356,6 +21371,14 @@
 </file>
 
 <file path=customXml/itemProps2.xml><?xml version="1.0" encoding="utf-8"?>
+<ds:datastoreItem xmlns:ds="http://schemas.openxmlformats.org/officeDocument/2006/customXml" ds:itemID="{1B7E2D32-4FDD-4266-880C-17595B801432}">
+  <ds:schemaRefs>
+    <ds:schemaRef ds:uri="http://schemas.microsoft.com/sharepoint/v3/contenttype/forms"/>
+  </ds:schemaRefs>
+</ds:datastoreItem>
+</file>
+
+<file path=customXml/itemProps3.xml><?xml version="1.0" encoding="utf-8"?>
 <ds:datastoreItem xmlns:ds="http://schemas.openxmlformats.org/officeDocument/2006/customXml" ds:itemID="{55BB9993-D5F9-46FA-B2E5-80E3632E9820}">
   <ds:schemaRefs>
     <ds:schemaRef ds:uri="http://schemas.microsoft.com/office/2006/metadata/contentType"/>
@@ -21372,12 +21395,4 @@
     <ds:schemaRef ds:uri="http://schemas.microsoft.com/internal/obd"/>
   </ds:schemaRefs>
 </ds:datastoreItem>
-</file>
-
-<file path=customXml/itemProps3.xml><?xml version="1.0" encoding="utf-8"?>
-<ds:datastoreItem xmlns:ds="http://schemas.openxmlformats.org/officeDocument/2006/customXml" ds:itemID="{1B7E2D32-4FDD-4266-880C-17595B801432}">
-  <ds:schemaRefs>
-    <ds:schemaRef ds:uri="http://schemas.microsoft.com/sharepoint/v3/contenttype/forms"/>
-  </ds:schemaRefs>
-</ds:datastoreItem>
 </file>
--- a/Customer Churn Predictions using ml.pptx
+++ b/Customer Churn Predictions using ml.pptx
@@ -164,7 +164,7 @@
   <pc:docChgLst>
     <pc:chgData name="Chadi Ghosn" userId="279302baa774d34a" providerId="LiveId" clId="{F015656F-7789-419B-BD89-038381738E89}"/>
     <pc:docChg chg="undo redo custSel addSld delSld modSld sldOrd modMainMaster">
-      <pc:chgData name="Chadi Ghosn" userId="279302baa774d34a" providerId="LiveId" clId="{F015656F-7789-419B-BD89-038381738E89}" dt="2022-11-10T21:26:27.368" v="3986" actId="20577"/>
+      <pc:chgData name="Chadi Ghosn" userId="279302baa774d34a" providerId="LiveId" clId="{F015656F-7789-419B-BD89-038381738E89}" dt="2022-11-13T15:41:46.254" v="3997" actId="1076"/>
       <pc:docMkLst>
         <pc:docMk/>
       </pc:docMkLst>
@@ -627,7 +627,7 @@
         </pc:spChg>
       </pc:sldChg>
       <pc:sldChg chg="addSp delSp modSp new mod">
-        <pc:chgData name="Chadi Ghosn" userId="279302baa774d34a" providerId="LiveId" clId="{F015656F-7789-419B-BD89-038381738E89}" dt="2022-11-10T21:21:07.390" v="3942" actId="115"/>
+        <pc:chgData name="Chadi Ghosn" userId="279302baa774d34a" providerId="LiveId" clId="{F015656F-7789-419B-BD89-038381738E89}" dt="2022-11-13T15:41:46.254" v="3997" actId="1076"/>
         <pc:sldMkLst>
           <pc:docMk/>
           <pc:sldMk cId="335344025" sldId="2463"/>
@@ -657,7 +657,15 @@
           </ac:spMkLst>
         </pc:spChg>
         <pc:picChg chg="add mod">
-          <ac:chgData name="Chadi Ghosn" userId="279302baa774d34a" providerId="LiveId" clId="{F015656F-7789-419B-BD89-038381738E89}" dt="2022-11-10T21:20:53.980" v="3940" actId="208"/>
+          <ac:chgData name="Chadi Ghosn" userId="279302baa774d34a" providerId="LiveId" clId="{F015656F-7789-419B-BD89-038381738E89}" dt="2022-11-13T15:41:46.254" v="3997" actId="1076"/>
+          <ac:picMkLst>
+            <pc:docMk/>
+            <pc:sldMk cId="335344025" sldId="2463"/>
+            <ac:picMk id="5" creationId="{4289CCD8-36D5-FBE0-7784-E70FA6E5CAA9}"/>
+          </ac:picMkLst>
+        </pc:picChg>
+        <pc:picChg chg="add del mod">
+          <ac:chgData name="Chadi Ghosn" userId="279302baa774d34a" providerId="LiveId" clId="{F015656F-7789-419B-BD89-038381738E89}" dt="2022-11-13T15:41:36.621" v="3995" actId="478"/>
           <ac:picMkLst>
             <pc:docMk/>
             <pc:sldMk cId="335344025" sldId="2463"/>
@@ -5969,7 +5977,7 @@
           <a:p>
             <a:fld id="{966D5B4E-BF3E-3B45-A4BA-D6C3B92870D7}" type="datetimeFigureOut">
               <a:rPr lang="en-US" smtClean="0"/>
-              <a:t>11/10/2022</a:t>
+              <a:t>11/13/2022</a:t>
             </a:fld>
             <a:endParaRPr lang="en-US" dirty="0"/>
           </a:p>
@@ -6146,7 +6154,7 @@
           <a:p>
             <a:fld id="{F5A8621B-8C8E-49BA-8772-41D0FE75A082}" type="datetimeFigureOut">
               <a:rPr lang="en-US" smtClean="0"/>
-              <a:t>11/10/2022</a:t>
+              <a:t>11/13/2022</a:t>
             </a:fld>
             <a:endParaRPr lang="en-US" dirty="0"/>
           </a:p>
@@ -17504,10 +17512,10 @@
       </p:sp>
       <p:pic>
         <p:nvPicPr>
-          <p:cNvPr id="6" name="Picture 5">
+          <p:cNvPr id="5" name="Picture 4">
             <a:extLst>
               <a:ext uri="{FF2B5EF4-FFF2-40B4-BE49-F238E27FC236}">
-                <a16:creationId xmlns:a16="http://schemas.microsoft.com/office/drawing/2014/main" id="{637133F3-864C-7B1B-50AB-54A2FFF02A69}"/>
+                <a16:creationId xmlns:a16="http://schemas.microsoft.com/office/drawing/2014/main" id="{4289CCD8-36D5-FBE0-7784-E70FA6E5CAA9}"/>
               </a:ext>
             </a:extLst>
           </p:cNvPr>
@@ -17524,8 +17532,8 @@
         </p:blipFill>
         <p:spPr>
           <a:xfrm>
-            <a:off x="689133" y="1216324"/>
-            <a:ext cx="10813734" cy="3976777"/>
+            <a:off x="1196762" y="1077757"/>
+            <a:ext cx="9798475" cy="3971352"/>
           </a:xfrm>
           <a:prstGeom prst="roundRect">
             <a:avLst>
@@ -21122,24 +21130,6 @@
 </file>
 
 <file path=customXml/item1.xml><?xml version="1.0" encoding="utf-8"?>
-<p:properties xmlns:p="http://schemas.microsoft.com/office/2006/metadata/properties" xmlns:xsi="http://www.w3.org/2001/XMLSchema-instance" xmlns:pc="http://schemas.microsoft.com/office/infopath/2007/PartnerControls">
-  <documentManagement>
-    <Status xmlns="71af3243-3dd4-4a8d-8c0d-dd76da1f02a5">Not started</Status>
-    <MediaServiceKeyPoints xmlns="71af3243-3dd4-4a8d-8c0d-dd76da1f02a5" xsi:nil="true"/>
-  </documentManagement>
-</p:properties>
-</file>
-
-<file path=customXml/item2.xml><?xml version="1.0" encoding="utf-8"?>
-<?mso-contentType ?>
-<FormTemplates xmlns="http://schemas.microsoft.com/sharepoint/v3/contenttype/forms">
-  <Display>DocumentLibraryForm</Display>
-  <Edit>DocumentLibraryForm</Edit>
-  <New>DocumentLibraryForm</New>
-</FormTemplates>
-</file>
-
-<file path=customXml/item3.xml><?xml version="1.0" encoding="utf-8"?>
 <ct:contentTypeSchema xmlns:ct="http://schemas.microsoft.com/office/2006/metadata/contentType" xmlns:ma="http://schemas.microsoft.com/office/2006/metadata/properties/metaAttributes" ct:_="" ma:_="" ma:contentTypeName="Document" ma:contentTypeID="0x01010079F111ED35F8CC479449609E8A0923A6" ma:contentTypeVersion="12" ma:contentTypeDescription="Create a new document." ma:contentTypeScope="" ma:versionID="426e97fa315356fffbdcd9876fe988c2">
   <xsd:schema xmlns:xsd="http://www.w3.org/2001/XMLSchema" xmlns:xs="http://www.w3.org/2001/XMLSchema" xmlns:p="http://schemas.microsoft.com/office/2006/metadata/properties" xmlns:ns2="71af3243-3dd4-4a8d-8c0d-dd76da1f02a5" xmlns:ns3="16c05727-aa75-4e4a-9b5f-8a80a1165891" targetNamespace="http://schemas.microsoft.com/office/2006/metadata/properties" ma:root="true" ma:fieldsID="14b8f0def80e6d70ce3def20c90759ae" ns2:_="" ns3:_="">
     <xsd:import namespace="71af3243-3dd4-4a8d-8c0d-dd76da1f02a5"/>
@@ -21360,25 +21350,25 @@
 </ct:contentTypeSchema>
 </file>
 
-<file path=customXml/itemProps1.xml><?xml version="1.0" encoding="utf-8"?>
-<ds:datastoreItem xmlns:ds="http://schemas.openxmlformats.org/officeDocument/2006/customXml" ds:itemID="{E3D9F223-918A-45AF-9B53-56AB9E5E2182}">
-  <ds:schemaRefs>
-    <ds:schemaRef ds:uri="http://schemas.microsoft.com/office/2006/metadata/properties"/>
-    <ds:schemaRef ds:uri="http://schemas.microsoft.com/office/infopath/2007/PartnerControls"/>
-    <ds:schemaRef ds:uri="71af3243-3dd4-4a8d-8c0d-dd76da1f02a5"/>
-  </ds:schemaRefs>
-</ds:datastoreItem>
+<file path=customXml/item2.xml><?xml version="1.0" encoding="utf-8"?>
+<?mso-contentType ?>
+<FormTemplates xmlns="http://schemas.microsoft.com/sharepoint/v3/contenttype/forms">
+  <Display>DocumentLibraryForm</Display>
+  <Edit>DocumentLibraryForm</Edit>
+  <New>DocumentLibraryForm</New>
+</FormTemplates>
 </file>
 
-<file path=customXml/itemProps2.xml><?xml version="1.0" encoding="utf-8"?>
-<ds:datastoreItem xmlns:ds="http://schemas.openxmlformats.org/officeDocument/2006/customXml" ds:itemID="{1B7E2D32-4FDD-4266-880C-17595B801432}">
-  <ds:schemaRefs>
-    <ds:schemaRef ds:uri="http://schemas.microsoft.com/sharepoint/v3/contenttype/forms"/>
-  </ds:schemaRefs>
-</ds:datastoreItem>
+<file path=customXml/item3.xml><?xml version="1.0" encoding="utf-8"?>
+<p:properties xmlns:p="http://schemas.microsoft.com/office/2006/metadata/properties" xmlns:xsi="http://www.w3.org/2001/XMLSchema-instance" xmlns:pc="http://schemas.microsoft.com/office/infopath/2007/PartnerControls">
+  <documentManagement>
+    <Status xmlns="71af3243-3dd4-4a8d-8c0d-dd76da1f02a5">Not started</Status>
+    <MediaServiceKeyPoints xmlns="71af3243-3dd4-4a8d-8c0d-dd76da1f02a5" xsi:nil="true"/>
+  </documentManagement>
+</p:properties>
 </file>
 
-<file path=customXml/itemProps3.xml><?xml version="1.0" encoding="utf-8"?>
+<file path=customXml/itemProps1.xml><?xml version="1.0" encoding="utf-8"?>
 <ds:datastoreItem xmlns:ds="http://schemas.openxmlformats.org/officeDocument/2006/customXml" ds:itemID="{55BB9993-D5F9-46FA-B2E5-80E3632E9820}">
   <ds:schemaRefs>
     <ds:schemaRef ds:uri="http://schemas.microsoft.com/office/2006/metadata/contentType"/>
@@ -21395,4 +21385,22 @@
     <ds:schemaRef ds:uri="http://schemas.microsoft.com/internal/obd"/>
   </ds:schemaRefs>
 </ds:datastoreItem>
+</file>
+
+<file path=customXml/itemProps2.xml><?xml version="1.0" encoding="utf-8"?>
+<ds:datastoreItem xmlns:ds="http://schemas.openxmlformats.org/officeDocument/2006/customXml" ds:itemID="{1B7E2D32-4FDD-4266-880C-17595B801432}">
+  <ds:schemaRefs>
+    <ds:schemaRef ds:uri="http://schemas.microsoft.com/sharepoint/v3/contenttype/forms"/>
+  </ds:schemaRefs>
+</ds:datastoreItem>
+</file>
+
+<file path=customXml/itemProps3.xml><?xml version="1.0" encoding="utf-8"?>
+<ds:datastoreItem xmlns:ds="http://schemas.openxmlformats.org/officeDocument/2006/customXml" ds:itemID="{E3D9F223-918A-45AF-9B53-56AB9E5E2182}">
+  <ds:schemaRefs>
+    <ds:schemaRef ds:uri="http://schemas.microsoft.com/office/2006/metadata/properties"/>
+    <ds:schemaRef ds:uri="http://schemas.microsoft.com/office/infopath/2007/PartnerControls"/>
+    <ds:schemaRef ds:uri="71af3243-3dd4-4a8d-8c0d-dd76da1f02a5"/>
+  </ds:schemaRefs>
+</ds:datastoreItem>
 </file>
--- a/Customer Churn Predictions using ml.pptx
+++ b/Customer Churn Predictions using ml.pptx
@@ -3153,9 +3153,9 @@
     <dgm:cxn modelId="{8F5B0B25-B9BF-4DEC-AF85-D9DE779C0724}" srcId="{DCBEFB5F-EC6F-4D41-A86C-369F924B4959}" destId="{6463B9F5-0483-498F-AE1F-A07A5F0BCC70}" srcOrd="6" destOrd="0" parTransId="{E6F7A84C-3C60-432E-9801-0779D3DD2F2F}" sibTransId="{E27C4FE8-03EB-4795-BD80-A217000688F1}"/>
     <dgm:cxn modelId="{0EACBA28-CDBD-4224-A55A-E130DAC42011}" type="presOf" srcId="{6E2CA194-CC32-40D2-B0FD-1F54F66CEF7E}" destId="{10513D86-301B-4B6A-8B17-61D67EF5B4D3}" srcOrd="0" destOrd="0" presId="urn:microsoft.com/office/officeart/2008/layout/LinedList"/>
     <dgm:cxn modelId="{D962BB3B-13D2-404E-BD71-74703714A0CD}" srcId="{DCBEFB5F-EC6F-4D41-A86C-369F924B4959}" destId="{659B72C5-9B1F-4355-B90E-2EA08116934A}" srcOrd="5" destOrd="0" parTransId="{F59E679C-0A12-45A4-BE5E-A6B8CE2D4717}" sibTransId="{2671F02F-DDCB-4042-B05C-26CA75CD7214}"/>
-    <dgm:cxn modelId="{EB9B9969-3F66-478A-9A5C-FAE453A5C895}" srcId="{DCBEFB5F-EC6F-4D41-A86C-369F924B4959}" destId="{F99B7FC4-59FA-4BB4-A3B7-194416AB3383}" srcOrd="3" destOrd="0" parTransId="{EB56AD57-10E9-4111-AD67-853E4D6532EA}" sibTransId="{7A70107A-B424-457F-9829-F3F11B432D9C}"/>
     <dgm:cxn modelId="{542E2F4A-22E4-494E-9721-BB4C63CA0C6D}" type="presOf" srcId="{DCBEFB5F-EC6F-4D41-A86C-369F924B4959}" destId="{B20D6230-DFDE-48F9-8001-2AC1635A64A9}" srcOrd="0" destOrd="0" presId="urn:microsoft.com/office/officeart/2008/layout/LinedList"/>
     <dgm:cxn modelId="{760B645A-F1C7-48FE-A8D4-7914445E7C90}" srcId="{DCBEFB5F-EC6F-4D41-A86C-369F924B4959}" destId="{9C324A2E-5293-46BE-B2C4-7C261839BFCC}" srcOrd="1" destOrd="0" parTransId="{4AE75802-C657-48BF-96DA-61ED3E556637}" sibTransId="{95182F72-1845-4A88-8314-4962A8EA918D}"/>
+    <dgm:cxn modelId="{EB9B9969-3F66-478A-9A5C-FAE453A5C895}" srcId="{DCBEFB5F-EC6F-4D41-A86C-369F924B4959}" destId="{F99B7FC4-59FA-4BB4-A3B7-194416AB3383}" srcOrd="3" destOrd="0" parTransId="{EB56AD57-10E9-4111-AD67-853E4D6532EA}" sibTransId="{7A70107A-B424-457F-9829-F3F11B432D9C}"/>
     <dgm:cxn modelId="{1615237D-5D9F-482F-9D4A-1477F310A232}" type="presOf" srcId="{71DFF0E3-DF95-4D98-B1B1-6BC548498A96}" destId="{7D6A299C-847B-46CF-916C-958B6B36EC52}" srcOrd="0" destOrd="0" presId="urn:microsoft.com/office/officeart/2008/layout/LinedList"/>
     <dgm:cxn modelId="{07D3967E-D530-4B58-9E83-ED0116672214}" type="presOf" srcId="{6463B9F5-0483-498F-AE1F-A07A5F0BCC70}" destId="{F3A0563E-E88C-479E-A0CB-7134D8D6AEA3}" srcOrd="0" destOrd="0" presId="urn:microsoft.com/office/officeart/2008/layout/LinedList"/>
     <dgm:cxn modelId="{01CB2090-61A3-467E-A377-F66C8A4348B6}" type="presOf" srcId="{F99B7FC4-59FA-4BB4-A3B7-194416AB3383}" destId="{CAF587D2-5DFF-4D29-ACBC-1F0DF57A6B7B}" srcOrd="0" destOrd="0" presId="urn:microsoft.com/office/officeart/2008/layout/LinedList"/>
@@ -5977,7 +5977,7 @@
           <a:p>
             <a:fld id="{966D5B4E-BF3E-3B45-A4BA-D6C3B92870D7}" type="datetimeFigureOut">
               <a:rPr lang="en-US" smtClean="0"/>
-              <a:t>11/13/2022</a:t>
+              <a:t>11/13/22</a:t>
             </a:fld>
             <a:endParaRPr lang="en-US" dirty="0"/>
           </a:p>
@@ -6154,7 +6154,7 @@
           <a:p>
             <a:fld id="{F5A8621B-8C8E-49BA-8772-41D0FE75A082}" type="datetimeFigureOut">
               <a:rPr lang="en-US" smtClean="0"/>
-              <a:t>11/13/2022</a:t>
+              <a:t>11/13/22</a:t>
             </a:fld>
             <a:endParaRPr lang="en-US" dirty="0"/>
           </a:p>
@@ -13879,7 +13879,7 @@
                 <a:ea typeface="+mn-ea"/>
                 <a:cs typeface="+mn-cs"/>
               </a:rPr>
-              <a:t>TP: </a:t>
+              <a:t>TP: 146</a:t>
             </a:r>
           </a:p>
           <a:p>
@@ -13917,6 +13917,29 @@
               </a:rPr>
               <a:t>TN: </a:t>
             </a:r>
+            <a:r>
+              <a:rPr lang="en-GB" sz="1600" spc="0" dirty="0">
+                <a:solidFill>
+                  <a:schemeClr val="bg1"/>
+                </a:solidFill>
+                <a:latin typeface="Calibri" panose="020F0502020204030204"/>
+              </a:rPr>
+              <a:t>905</a:t>
+            </a:r>
+            <a:endParaRPr kumimoji="0" lang="en-GB" sz="1600" b="0" i="0" u="none" strike="noStrike" kern="1200" cap="none" spc="0" normalizeH="0" baseline="0" noProof="0" dirty="0">
+              <a:ln>
+                <a:noFill/>
+              </a:ln>
+              <a:solidFill>
+                <a:schemeClr val="bg1"/>
+              </a:solidFill>
+              <a:effectLst/>
+              <a:uLnTx/>
+              <a:uFillTx/>
+              <a:latin typeface="Calibri" panose="020F0502020204030204"/>
+              <a:ea typeface="+mn-ea"/>
+              <a:cs typeface="+mn-cs"/>
+            </a:endParaRPr>
           </a:p>
           <a:p>
             <a:pPr marL="0" marR="0" lvl="0" indent="0" algn="l" defTabSz="914400" rtl="0" eaLnBrk="1" fontAlgn="auto" latinLnBrk="0" hangingPunct="1">
@@ -13953,6 +13976,29 @@
               </a:rPr>
               <a:t>FP: </a:t>
             </a:r>
+            <a:r>
+              <a:rPr lang="en-GB" sz="1600" spc="0">
+                <a:solidFill>
+                  <a:schemeClr val="bg1"/>
+                </a:solidFill>
+                <a:latin typeface="Calibri" panose="020F0502020204030204"/>
+              </a:rPr>
+              <a:t>146</a:t>
+            </a:r>
+            <a:endParaRPr kumimoji="0" lang="en-GB" sz="1600" b="0" i="0" u="none" strike="noStrike" kern="1200" cap="none" spc="0" normalizeH="0" baseline="0" noProof="0" dirty="0">
+              <a:ln>
+                <a:noFill/>
+              </a:ln>
+              <a:solidFill>
+                <a:schemeClr val="bg1"/>
+              </a:solidFill>
+              <a:effectLst/>
+              <a:uLnTx/>
+              <a:uFillTx/>
+              <a:latin typeface="Calibri" panose="020F0502020204030204"/>
+              <a:ea typeface="+mn-ea"/>
+              <a:cs typeface="+mn-cs"/>
+            </a:endParaRPr>
           </a:p>
           <a:p>
             <a:pPr marL="0" marR="0" lvl="0" indent="0" algn="l" defTabSz="914400" rtl="0" eaLnBrk="1" fontAlgn="auto" latinLnBrk="0" hangingPunct="1">
@@ -13987,7 +14033,7 @@
                 <a:ea typeface="+mn-ea"/>
                 <a:cs typeface="+mn-cs"/>
               </a:rPr>
-              <a:t>FN: </a:t>
+              <a:t>FN: 91</a:t>
             </a:r>
           </a:p>
           <a:p>
@@ -21130,6 +21176,24 @@
 </file>
 
 <file path=customXml/item1.xml><?xml version="1.0" encoding="utf-8"?>
+<p:properties xmlns:p="http://schemas.microsoft.com/office/2006/metadata/properties" xmlns:xsi="http://www.w3.org/2001/XMLSchema-instance" xmlns:pc="http://schemas.microsoft.com/office/infopath/2007/PartnerControls">
+  <documentManagement>
+    <Status xmlns="71af3243-3dd4-4a8d-8c0d-dd76da1f02a5">Not started</Status>
+    <MediaServiceKeyPoints xmlns="71af3243-3dd4-4a8d-8c0d-dd76da1f02a5" xsi:nil="true"/>
+  </documentManagement>
+</p:properties>
+</file>
+
+<file path=customXml/item2.xml><?xml version="1.0" encoding="utf-8"?>
+<?mso-contentType ?>
+<FormTemplates xmlns="http://schemas.microsoft.com/sharepoint/v3/contenttype/forms">
+  <Display>DocumentLibraryForm</Display>
+  <Edit>DocumentLibraryForm</Edit>
+  <New>DocumentLibraryForm</New>
+</FormTemplates>
+</file>
+
+<file path=customXml/item3.xml><?xml version="1.0" encoding="utf-8"?>
 <ct:contentTypeSchema xmlns:ct="http://schemas.microsoft.com/office/2006/metadata/contentType" xmlns:ma="http://schemas.microsoft.com/office/2006/metadata/properties/metaAttributes" ct:_="" ma:_="" ma:contentTypeName="Document" ma:contentTypeID="0x01010079F111ED35F8CC479449609E8A0923A6" ma:contentTypeVersion="12" ma:contentTypeDescription="Create a new document." ma:contentTypeScope="" ma:versionID="426e97fa315356fffbdcd9876fe988c2">
   <xsd:schema xmlns:xsd="http://www.w3.org/2001/XMLSchema" xmlns:xs="http://www.w3.org/2001/XMLSchema" xmlns:p="http://schemas.microsoft.com/office/2006/metadata/properties" xmlns:ns2="71af3243-3dd4-4a8d-8c0d-dd76da1f02a5" xmlns:ns3="16c05727-aa75-4e4a-9b5f-8a80a1165891" targetNamespace="http://schemas.microsoft.com/office/2006/metadata/properties" ma:root="true" ma:fieldsID="14b8f0def80e6d70ce3def20c90759ae" ns2:_="" ns3:_="">
     <xsd:import namespace="71af3243-3dd4-4a8d-8c0d-dd76da1f02a5"/>
@@ -21350,25 +21414,25 @@
 </ct:contentTypeSchema>
 </file>
 
-<file path=customXml/item2.xml><?xml version="1.0" encoding="utf-8"?>
-<?mso-contentType ?>
-<FormTemplates xmlns="http://schemas.microsoft.com/sharepoint/v3/contenttype/forms">
-  <Display>DocumentLibraryForm</Display>
-  <Edit>DocumentLibraryForm</Edit>
-  <New>DocumentLibraryForm</New>
-</FormTemplates>
+<file path=customXml/itemProps1.xml><?xml version="1.0" encoding="utf-8"?>
+<ds:datastoreItem xmlns:ds="http://schemas.openxmlformats.org/officeDocument/2006/customXml" ds:itemID="{E3D9F223-918A-45AF-9B53-56AB9E5E2182}">
+  <ds:schemaRefs>
+    <ds:schemaRef ds:uri="http://schemas.microsoft.com/office/2006/metadata/properties"/>
+    <ds:schemaRef ds:uri="http://schemas.microsoft.com/office/infopath/2007/PartnerControls"/>
+    <ds:schemaRef ds:uri="71af3243-3dd4-4a8d-8c0d-dd76da1f02a5"/>
+  </ds:schemaRefs>
+</ds:datastoreItem>
 </file>
 
-<file path=customXml/item3.xml><?xml version="1.0" encoding="utf-8"?>
-<p:properties xmlns:p="http://schemas.microsoft.com/office/2006/metadata/properties" xmlns:xsi="http://www.w3.org/2001/XMLSchema-instance" xmlns:pc="http://schemas.microsoft.com/office/infopath/2007/PartnerControls">
-  <documentManagement>
-    <Status xmlns="71af3243-3dd4-4a8d-8c0d-dd76da1f02a5">Not started</Status>
-    <MediaServiceKeyPoints xmlns="71af3243-3dd4-4a8d-8c0d-dd76da1f02a5" xsi:nil="true"/>
-  </documentManagement>
-</p:properties>
+<file path=customXml/itemProps2.xml><?xml version="1.0" encoding="utf-8"?>
+<ds:datastoreItem xmlns:ds="http://schemas.openxmlformats.org/officeDocument/2006/customXml" ds:itemID="{1B7E2D32-4FDD-4266-880C-17595B801432}">
+  <ds:schemaRefs>
+    <ds:schemaRef ds:uri="http://schemas.microsoft.com/sharepoint/v3/contenttype/forms"/>
+  </ds:schemaRefs>
+</ds:datastoreItem>
 </file>
 
-<file path=customXml/itemProps1.xml><?xml version="1.0" encoding="utf-8"?>
+<file path=customXml/itemProps3.xml><?xml version="1.0" encoding="utf-8"?>
 <ds:datastoreItem xmlns:ds="http://schemas.openxmlformats.org/officeDocument/2006/customXml" ds:itemID="{55BB9993-D5F9-46FA-B2E5-80E3632E9820}">
   <ds:schemaRefs>
     <ds:schemaRef ds:uri="http://schemas.microsoft.com/office/2006/metadata/contentType"/>
@@ -21385,22 +21449,4 @@
     <ds:schemaRef ds:uri="http://schemas.microsoft.com/internal/obd"/>
   </ds:schemaRefs>
 </ds:datastoreItem>
-</file>
-
-<file path=customXml/itemProps2.xml><?xml version="1.0" encoding="utf-8"?>
-<ds:datastoreItem xmlns:ds="http://schemas.openxmlformats.org/officeDocument/2006/customXml" ds:itemID="{1B7E2D32-4FDD-4266-880C-17595B801432}">
-  <ds:schemaRefs>
-    <ds:schemaRef ds:uri="http://schemas.microsoft.com/sharepoint/v3/contenttype/forms"/>
-  </ds:schemaRefs>
-</ds:datastoreItem>
-</file>
-
-<file path=customXml/itemProps3.xml><?xml version="1.0" encoding="utf-8"?>
-<ds:datastoreItem xmlns:ds="http://schemas.openxmlformats.org/officeDocument/2006/customXml" ds:itemID="{E3D9F223-918A-45AF-9B53-56AB9E5E2182}">
-  <ds:schemaRefs>
-    <ds:schemaRef ds:uri="http://schemas.microsoft.com/office/2006/metadata/properties"/>
-    <ds:schemaRef ds:uri="http://schemas.microsoft.com/office/infopath/2007/PartnerControls"/>
-    <ds:schemaRef ds:uri="71af3243-3dd4-4a8d-8c0d-dd76da1f02a5"/>
-  </ds:schemaRefs>
-</ds:datastoreItem>
 </file>
--- a/Customer Churn Predictions using ml.pptx
+++ b/Customer Churn Predictions using ml.pptx
@@ -13721,7 +13721,7 @@
                 <a:ea typeface="+mn-ea"/>
                 <a:cs typeface="+mn-cs"/>
               </a:rPr>
-              <a:t>Model 3: RFC using TF</a:t>
+              <a:t>Model 3: RFC</a:t>
             </a:r>
             <a:endParaRPr kumimoji="0" lang="en-GB" sz="1600" b="0" i="0" u="none" strike="noStrike" kern="1200" cap="none" spc="0" normalizeH="0" baseline="0" noProof="0" dirty="0">
               <a:ln>
@@ -13771,7 +13771,7 @@
                 <a:ea typeface="+mn-ea"/>
                 <a:cs typeface="+mn-cs"/>
               </a:rPr>
-              <a:t>Train model score: %</a:t>
+              <a:t>Train model score: 95%</a:t>
             </a:r>
           </a:p>
           <a:p>
@@ -13807,7 +13807,7 @@
                 <a:ea typeface="+mn-ea"/>
                 <a:cs typeface="+mn-cs"/>
               </a:rPr>
-              <a:t>Test model score: %</a:t>
+              <a:t>Test model score: 88%</a:t>
             </a:r>
           </a:p>
           <a:p>
@@ -13843,7 +13843,7 @@
                 <a:ea typeface="+mn-ea"/>
                 <a:cs typeface="+mn-cs"/>
               </a:rPr>
-              <a:t>Accuracy: %</a:t>
+              <a:t>Accuracy: 84%</a:t>
             </a:r>
           </a:p>
           <a:p>
@@ -13977,7 +13977,7 @@
               <a:t>FP: </a:t>
             </a:r>
             <a:r>
-              <a:rPr lang="en-GB" sz="1600" spc="0">
+              <a:rPr lang="en-GB" sz="1600" spc="0" dirty="0">
                 <a:solidFill>
                   <a:schemeClr val="bg1"/>
                 </a:solidFill>
@@ -21176,21 +21176,21 @@
 </file>
 
 <file path=customXml/item1.xml><?xml version="1.0" encoding="utf-8"?>
+<?mso-contentType ?>
+<FormTemplates xmlns="http://schemas.microsoft.com/sharepoint/v3/contenttype/forms">
+  <Display>DocumentLibraryForm</Display>
+  <Edit>DocumentLibraryForm</Edit>
+  <New>DocumentLibraryForm</New>
+</FormTemplates>
+</file>
+
+<file path=customXml/item2.xml><?xml version="1.0" encoding="utf-8"?>
 <p:properties xmlns:p="http://schemas.microsoft.com/office/2006/metadata/properties" xmlns:xsi="http://www.w3.org/2001/XMLSchema-instance" xmlns:pc="http://schemas.microsoft.com/office/infopath/2007/PartnerControls">
   <documentManagement>
     <Status xmlns="71af3243-3dd4-4a8d-8c0d-dd76da1f02a5">Not started</Status>
     <MediaServiceKeyPoints xmlns="71af3243-3dd4-4a8d-8c0d-dd76da1f02a5" xsi:nil="true"/>
   </documentManagement>
 </p:properties>
-</file>
-
-<file path=customXml/item2.xml><?xml version="1.0" encoding="utf-8"?>
-<?mso-contentType ?>
-<FormTemplates xmlns="http://schemas.microsoft.com/sharepoint/v3/contenttype/forms">
-  <Display>DocumentLibraryForm</Display>
-  <Edit>DocumentLibraryForm</Edit>
-  <New>DocumentLibraryForm</New>
-</FormTemplates>
 </file>
 
 <file path=customXml/item3.xml><?xml version="1.0" encoding="utf-8"?>
@@ -21415,19 +21415,19 @@
 </file>
 
 <file path=customXml/itemProps1.xml><?xml version="1.0" encoding="utf-8"?>
+<ds:datastoreItem xmlns:ds="http://schemas.openxmlformats.org/officeDocument/2006/customXml" ds:itemID="{1B7E2D32-4FDD-4266-880C-17595B801432}">
+  <ds:schemaRefs>
+    <ds:schemaRef ds:uri="http://schemas.microsoft.com/sharepoint/v3/contenttype/forms"/>
+  </ds:schemaRefs>
+</ds:datastoreItem>
+</file>
+
+<file path=customXml/itemProps2.xml><?xml version="1.0" encoding="utf-8"?>
 <ds:datastoreItem xmlns:ds="http://schemas.openxmlformats.org/officeDocument/2006/customXml" ds:itemID="{E3D9F223-918A-45AF-9B53-56AB9E5E2182}">
   <ds:schemaRefs>
     <ds:schemaRef ds:uri="http://schemas.microsoft.com/office/2006/metadata/properties"/>
     <ds:schemaRef ds:uri="http://schemas.microsoft.com/office/infopath/2007/PartnerControls"/>
     <ds:schemaRef ds:uri="71af3243-3dd4-4a8d-8c0d-dd76da1f02a5"/>
-  </ds:schemaRefs>
-</ds:datastoreItem>
-</file>
-
-<file path=customXml/itemProps2.xml><?xml version="1.0" encoding="utf-8"?>
-<ds:datastoreItem xmlns:ds="http://schemas.openxmlformats.org/officeDocument/2006/customXml" ds:itemID="{1B7E2D32-4FDD-4266-880C-17595B801432}">
-  <ds:schemaRefs>
-    <ds:schemaRef ds:uri="http://schemas.microsoft.com/sharepoint/v3/contenttype/forms"/>
   </ds:schemaRefs>
 </ds:datastoreItem>
 </file>

--- a/Customer Churn Predictions using ml.pptx
+++ b/Customer Churn Predictions using ml.pptx
@@ -164,7 +164,7 @@
   <pc:docChgLst>
     <pc:chgData name="Chadi Ghosn" userId="279302baa774d34a" providerId="LiveId" clId="{F015656F-7789-419B-BD89-038381738E89}"/>
     <pc:docChg chg="undo redo custSel addSld delSld modSld sldOrd modMainMaster">
-      <pc:chgData name="Chadi Ghosn" userId="279302baa774d34a" providerId="LiveId" clId="{F015656F-7789-419B-BD89-038381738E89}" dt="2022-11-13T15:41:46.254" v="3997" actId="1076"/>
+      <pc:chgData name="Chadi Ghosn" userId="279302baa774d34a" providerId="LiveId" clId="{F015656F-7789-419B-BD89-038381738E89}" dt="2022-11-13T23:17:29.225" v="4026" actId="20577"/>
       <pc:docMkLst>
         <pc:docMk/>
       </pc:docMkLst>
@@ -1464,7 +1464,7 @@
         </pc:sldMkLst>
       </pc:sldChg>
       <pc:sldChg chg="addSp delSp modSp new mod">
-        <pc:chgData name="Chadi Ghosn" userId="279302baa774d34a" providerId="LiveId" clId="{F015656F-7789-419B-BD89-038381738E89}" dt="2022-11-10T21:21:45.268" v="3973" actId="1036"/>
+        <pc:chgData name="Chadi Ghosn" userId="279302baa774d34a" providerId="LiveId" clId="{F015656F-7789-419B-BD89-038381738E89}" dt="2022-11-13T23:17:29.225" v="4026" actId="20577"/>
         <pc:sldMkLst>
           <pc:docMk/>
           <pc:sldMk cId="2032382134" sldId="2469"/>
@@ -1518,7 +1518,7 @@
           </ac:spMkLst>
         </pc:spChg>
         <pc:spChg chg="mod">
-          <ac:chgData name="Chadi Ghosn" userId="279302baa774d34a" providerId="LiveId" clId="{F015656F-7789-419B-BD89-038381738E89}" dt="2022-11-10T21:21:45.268" v="3973" actId="1036"/>
+          <ac:chgData name="Chadi Ghosn" userId="279302baa774d34a" providerId="LiveId" clId="{F015656F-7789-419B-BD89-038381738E89}" dt="2022-11-13T23:17:29.225" v="4026" actId="20577"/>
           <ac:spMkLst>
             <pc:docMk/>
             <pc:sldMk cId="2032382134" sldId="2469"/>
@@ -3153,9 +3153,9 @@
     <dgm:cxn modelId="{8F5B0B25-B9BF-4DEC-AF85-D9DE779C0724}" srcId="{DCBEFB5F-EC6F-4D41-A86C-369F924B4959}" destId="{6463B9F5-0483-498F-AE1F-A07A5F0BCC70}" srcOrd="6" destOrd="0" parTransId="{E6F7A84C-3C60-432E-9801-0779D3DD2F2F}" sibTransId="{E27C4FE8-03EB-4795-BD80-A217000688F1}"/>
     <dgm:cxn modelId="{0EACBA28-CDBD-4224-A55A-E130DAC42011}" type="presOf" srcId="{6E2CA194-CC32-40D2-B0FD-1F54F66CEF7E}" destId="{10513D86-301B-4B6A-8B17-61D67EF5B4D3}" srcOrd="0" destOrd="0" presId="urn:microsoft.com/office/officeart/2008/layout/LinedList"/>
     <dgm:cxn modelId="{D962BB3B-13D2-404E-BD71-74703714A0CD}" srcId="{DCBEFB5F-EC6F-4D41-A86C-369F924B4959}" destId="{659B72C5-9B1F-4355-B90E-2EA08116934A}" srcOrd="5" destOrd="0" parTransId="{F59E679C-0A12-45A4-BE5E-A6B8CE2D4717}" sibTransId="{2671F02F-DDCB-4042-B05C-26CA75CD7214}"/>
+    <dgm:cxn modelId="{EB9B9969-3F66-478A-9A5C-FAE453A5C895}" srcId="{DCBEFB5F-EC6F-4D41-A86C-369F924B4959}" destId="{F99B7FC4-59FA-4BB4-A3B7-194416AB3383}" srcOrd="3" destOrd="0" parTransId="{EB56AD57-10E9-4111-AD67-853E4D6532EA}" sibTransId="{7A70107A-B424-457F-9829-F3F11B432D9C}"/>
     <dgm:cxn modelId="{542E2F4A-22E4-494E-9721-BB4C63CA0C6D}" type="presOf" srcId="{DCBEFB5F-EC6F-4D41-A86C-369F924B4959}" destId="{B20D6230-DFDE-48F9-8001-2AC1635A64A9}" srcOrd="0" destOrd="0" presId="urn:microsoft.com/office/officeart/2008/layout/LinedList"/>
     <dgm:cxn modelId="{760B645A-F1C7-48FE-A8D4-7914445E7C90}" srcId="{DCBEFB5F-EC6F-4D41-A86C-369F924B4959}" destId="{9C324A2E-5293-46BE-B2C4-7C261839BFCC}" srcOrd="1" destOrd="0" parTransId="{4AE75802-C657-48BF-96DA-61ED3E556637}" sibTransId="{95182F72-1845-4A88-8314-4962A8EA918D}"/>
-    <dgm:cxn modelId="{EB9B9969-3F66-478A-9A5C-FAE453A5C895}" srcId="{DCBEFB5F-EC6F-4D41-A86C-369F924B4959}" destId="{F99B7FC4-59FA-4BB4-A3B7-194416AB3383}" srcOrd="3" destOrd="0" parTransId="{EB56AD57-10E9-4111-AD67-853E4D6532EA}" sibTransId="{7A70107A-B424-457F-9829-F3F11B432D9C}"/>
     <dgm:cxn modelId="{1615237D-5D9F-482F-9D4A-1477F310A232}" type="presOf" srcId="{71DFF0E3-DF95-4D98-B1B1-6BC548498A96}" destId="{7D6A299C-847B-46CF-916C-958B6B36EC52}" srcOrd="0" destOrd="0" presId="urn:microsoft.com/office/officeart/2008/layout/LinedList"/>
     <dgm:cxn modelId="{07D3967E-D530-4B58-9E83-ED0116672214}" type="presOf" srcId="{6463B9F5-0483-498F-AE1F-A07A5F0BCC70}" destId="{F3A0563E-E88C-479E-A0CB-7134D8D6AEA3}" srcOrd="0" destOrd="0" presId="urn:microsoft.com/office/officeart/2008/layout/LinedList"/>
     <dgm:cxn modelId="{01CB2090-61A3-467E-A377-F66C8A4348B6}" type="presOf" srcId="{F99B7FC4-59FA-4BB4-A3B7-194416AB3383}" destId="{CAF587D2-5DFF-4D29-ACBC-1F0DF57A6B7B}" srcOrd="0" destOrd="0" presId="urn:microsoft.com/office/officeart/2008/layout/LinedList"/>
@@ -5977,7 +5977,7 @@
           <a:p>
             <a:fld id="{966D5B4E-BF3E-3B45-A4BA-D6C3B92870D7}" type="datetimeFigureOut">
               <a:rPr lang="en-US" smtClean="0"/>
-              <a:t>11/13/22</a:t>
+              <a:t>11/13/2022</a:t>
             </a:fld>
             <a:endParaRPr lang="en-US" dirty="0"/>
           </a:p>
@@ -6154,7 +6154,7 @@
           <a:p>
             <a:fld id="{F5A8621B-8C8E-49BA-8772-41D0FE75A082}" type="datetimeFigureOut">
               <a:rPr lang="en-US" smtClean="0"/>
-              <a:t>11/13/22</a:t>
+              <a:t>11/13/2022</a:t>
             </a:fld>
             <a:endParaRPr lang="en-US" dirty="0"/>
           </a:p>
@@ -13771,7 +13771,7 @@
                 <a:ea typeface="+mn-ea"/>
                 <a:cs typeface="+mn-cs"/>
               </a:rPr>
-              <a:t>Train model score: 95%</a:t>
+              <a:t>Train model score: 94%</a:t>
             </a:r>
           </a:p>
           <a:p>
@@ -13807,7 +13807,7 @@
                 <a:ea typeface="+mn-ea"/>
                 <a:cs typeface="+mn-cs"/>
               </a:rPr>
-              <a:t>Test model score: 88%</a:t>
+              <a:t>Test model score: 89.48%</a:t>
             </a:r>
           </a:p>
           <a:p>
@@ -13879,8 +13879,31 @@
                 <a:ea typeface="+mn-ea"/>
                 <a:cs typeface="+mn-cs"/>
               </a:rPr>
-              <a:t>TP: 146</a:t>
+              <a:t>TP: </a:t>
             </a:r>
+            <a:r>
+              <a:rPr lang="en-GB" sz="1600" spc="0">
+                <a:solidFill>
+                  <a:schemeClr val="bg1"/>
+                </a:solidFill>
+                <a:latin typeface="Calibri" panose="020F0502020204030204"/>
+              </a:rPr>
+              <a:t>208</a:t>
+            </a:r>
+            <a:endParaRPr kumimoji="0" lang="en-GB" sz="1600" b="0" i="0" u="none" strike="noStrike" kern="1200" cap="none" spc="0" normalizeH="0" baseline="0" noProof="0" dirty="0">
+              <a:ln>
+                <a:noFill/>
+              </a:ln>
+              <a:solidFill>
+                <a:schemeClr val="bg1"/>
+              </a:solidFill>
+              <a:effectLst/>
+              <a:uLnTx/>
+              <a:uFillTx/>
+              <a:latin typeface="Calibri" panose="020F0502020204030204"/>
+              <a:ea typeface="+mn-ea"/>
+              <a:cs typeface="+mn-cs"/>
+            </a:endParaRPr>
           </a:p>
           <a:p>
             <a:pPr marL="0" marR="0" lvl="0" indent="0" algn="l" defTabSz="914400" rtl="0" eaLnBrk="1" fontAlgn="auto" latinLnBrk="0" hangingPunct="1">
@@ -13915,31 +13938,8 @@
                 <a:ea typeface="+mn-ea"/>
                 <a:cs typeface="+mn-cs"/>
               </a:rPr>
-              <a:t>TN: </a:t>
+              <a:t>TN: 1260</a:t>
             </a:r>
-            <a:r>
-              <a:rPr lang="en-GB" sz="1600" spc="0" dirty="0">
-                <a:solidFill>
-                  <a:schemeClr val="bg1"/>
-                </a:solidFill>
-                <a:latin typeface="Calibri" panose="020F0502020204030204"/>
-              </a:rPr>
-              <a:t>905</a:t>
-            </a:r>
-            <a:endParaRPr kumimoji="0" lang="en-GB" sz="1600" b="0" i="0" u="none" strike="noStrike" kern="1200" cap="none" spc="0" normalizeH="0" baseline="0" noProof="0" dirty="0">
-              <a:ln>
-                <a:noFill/>
-              </a:ln>
-              <a:solidFill>
-                <a:schemeClr val="bg1"/>
-              </a:solidFill>
-              <a:effectLst/>
-              <a:uLnTx/>
-              <a:uFillTx/>
-              <a:latin typeface="Calibri" panose="020F0502020204030204"/>
-              <a:ea typeface="+mn-ea"/>
-              <a:cs typeface="+mn-cs"/>
-            </a:endParaRPr>
           </a:p>
           <a:p>
             <a:pPr marL="0" marR="0" lvl="0" indent="0" algn="l" defTabSz="914400" rtl="0" eaLnBrk="1" fontAlgn="auto" latinLnBrk="0" hangingPunct="1">
@@ -13983,7 +13983,7 @@
                 </a:solidFill>
                 <a:latin typeface="Calibri" panose="020F0502020204030204"/>
               </a:rPr>
-              <a:t>146</a:t>
+              <a:t>170</a:t>
             </a:r>
             <a:endParaRPr kumimoji="0" lang="en-GB" sz="1600" b="0" i="0" u="none" strike="noStrike" kern="1200" cap="none" spc="0" normalizeH="0" baseline="0" noProof="0" dirty="0">
               <a:ln>
@@ -14033,8 +14033,31 @@
                 <a:ea typeface="+mn-ea"/>
                 <a:cs typeface="+mn-cs"/>
               </a:rPr>
-              <a:t>FN: 91</a:t>
+              <a:t>FN: </a:t>
             </a:r>
+            <a:r>
+              <a:rPr lang="en-GB" sz="1600" spc="0" dirty="0">
+                <a:solidFill>
+                  <a:schemeClr val="bg1"/>
+                </a:solidFill>
+                <a:latin typeface="Calibri" panose="020F0502020204030204"/>
+              </a:rPr>
+              <a:t>112</a:t>
+            </a:r>
+            <a:endParaRPr kumimoji="0" lang="en-GB" sz="1600" b="0" i="0" u="none" strike="noStrike" kern="1200" cap="none" spc="0" normalizeH="0" baseline="0" noProof="0" dirty="0">
+              <a:ln>
+                <a:noFill/>
+              </a:ln>
+              <a:solidFill>
+                <a:schemeClr val="bg1"/>
+              </a:solidFill>
+              <a:effectLst/>
+              <a:uLnTx/>
+              <a:uFillTx/>
+              <a:latin typeface="Calibri" panose="020F0502020204030204"/>
+              <a:ea typeface="+mn-ea"/>
+              <a:cs typeface="+mn-cs"/>
+            </a:endParaRPr>
           </a:p>
           <a:p>
             <a:endParaRPr lang="en-GB" dirty="0">
@@ -21185,15 +21208,6 @@
 </file>
 
 <file path=customXml/item2.xml><?xml version="1.0" encoding="utf-8"?>
-<p:properties xmlns:p="http://schemas.microsoft.com/office/2006/metadata/properties" xmlns:xsi="http://www.w3.org/2001/XMLSchema-instance" xmlns:pc="http://schemas.microsoft.com/office/infopath/2007/PartnerControls">
-  <documentManagement>
-    <Status xmlns="71af3243-3dd4-4a8d-8c0d-dd76da1f02a5">Not started</Status>
-    <MediaServiceKeyPoints xmlns="71af3243-3dd4-4a8d-8c0d-dd76da1f02a5" xsi:nil="true"/>
-  </documentManagement>
-</p:properties>
-</file>
-
-<file path=customXml/item3.xml><?xml version="1.0" encoding="utf-8"?>
 <ct:contentTypeSchema xmlns:ct="http://schemas.microsoft.com/office/2006/metadata/contentType" xmlns:ma="http://schemas.microsoft.com/office/2006/metadata/properties/metaAttributes" ct:_="" ma:_="" ma:contentTypeName="Document" ma:contentTypeID="0x01010079F111ED35F8CC479449609E8A0923A6" ma:contentTypeVersion="12" ma:contentTypeDescription="Create a new document." ma:contentTypeScope="" ma:versionID="426e97fa315356fffbdcd9876fe988c2">
   <xsd:schema xmlns:xsd="http://www.w3.org/2001/XMLSchema" xmlns:xs="http://www.w3.org/2001/XMLSchema" xmlns:p="http://schemas.microsoft.com/office/2006/metadata/properties" xmlns:ns2="71af3243-3dd4-4a8d-8c0d-dd76da1f02a5" xmlns:ns3="16c05727-aa75-4e4a-9b5f-8a80a1165891" targetNamespace="http://schemas.microsoft.com/office/2006/metadata/properties" ma:root="true" ma:fieldsID="14b8f0def80e6d70ce3def20c90759ae" ns2:_="" ns3:_="">
     <xsd:import namespace="71af3243-3dd4-4a8d-8c0d-dd76da1f02a5"/>
@@ -21414,6 +21428,15 @@
 </ct:contentTypeSchema>
 </file>
 
+<file path=customXml/item3.xml><?xml version="1.0" encoding="utf-8"?>
+<p:properties xmlns:p="http://schemas.microsoft.com/office/2006/metadata/properties" xmlns:xsi="http://www.w3.org/2001/XMLSchema-instance" xmlns:pc="http://schemas.microsoft.com/office/infopath/2007/PartnerControls">
+  <documentManagement>
+    <Status xmlns="71af3243-3dd4-4a8d-8c0d-dd76da1f02a5">Not started</Status>
+    <MediaServiceKeyPoints xmlns="71af3243-3dd4-4a8d-8c0d-dd76da1f02a5" xsi:nil="true"/>
+  </documentManagement>
+</p:properties>
+</file>
+
 <file path=customXml/itemProps1.xml><?xml version="1.0" encoding="utf-8"?>
 <ds:datastoreItem xmlns:ds="http://schemas.openxmlformats.org/officeDocument/2006/customXml" ds:itemID="{1B7E2D32-4FDD-4266-880C-17595B801432}">
   <ds:schemaRefs>
@@ -21423,16 +21446,6 @@
 </file>
 
 <file path=customXml/itemProps2.xml><?xml version="1.0" encoding="utf-8"?>
-<ds:datastoreItem xmlns:ds="http://schemas.openxmlformats.org/officeDocument/2006/customXml" ds:itemID="{E3D9F223-918A-45AF-9B53-56AB9E5E2182}">
-  <ds:schemaRefs>
-    <ds:schemaRef ds:uri="http://schemas.microsoft.com/office/2006/metadata/properties"/>
-    <ds:schemaRef ds:uri="http://schemas.microsoft.com/office/infopath/2007/PartnerControls"/>
-    <ds:schemaRef ds:uri="71af3243-3dd4-4a8d-8c0d-dd76da1f02a5"/>
-  </ds:schemaRefs>
-</ds:datastoreItem>
-</file>
-
-<file path=customXml/itemProps3.xml><?xml version="1.0" encoding="utf-8"?>
 <ds:datastoreItem xmlns:ds="http://schemas.openxmlformats.org/officeDocument/2006/customXml" ds:itemID="{55BB9993-D5F9-46FA-B2E5-80E3632E9820}">
   <ds:schemaRefs>
     <ds:schemaRef ds:uri="http://schemas.microsoft.com/office/2006/metadata/contentType"/>
@@ -21449,4 +21462,14 @@
     <ds:schemaRef ds:uri="http://schemas.microsoft.com/internal/obd"/>
   </ds:schemaRefs>
 </ds:datastoreItem>
+</file>
+
+<file path=customXml/itemProps3.xml><?xml version="1.0" encoding="utf-8"?>
+<ds:datastoreItem xmlns:ds="http://schemas.openxmlformats.org/officeDocument/2006/customXml" ds:itemID="{E3D9F223-918A-45AF-9B53-56AB9E5E2182}">
+  <ds:schemaRefs>
+    <ds:schemaRef ds:uri="http://schemas.microsoft.com/office/2006/metadata/properties"/>
+    <ds:schemaRef ds:uri="http://schemas.microsoft.com/office/infopath/2007/PartnerControls"/>
+    <ds:schemaRef ds:uri="71af3243-3dd4-4a8d-8c0d-dd76da1f02a5"/>
+  </ds:schemaRefs>
+</ds:datastoreItem>
 </file>
--- a/Customer Churn Predictions using ml.pptx
+++ b/Customer Churn Predictions using ml.pptx
@@ -3153,9 +3153,9 @@
     <dgm:cxn modelId="{8F5B0B25-B9BF-4DEC-AF85-D9DE779C0724}" srcId="{DCBEFB5F-EC6F-4D41-A86C-369F924B4959}" destId="{6463B9F5-0483-498F-AE1F-A07A5F0BCC70}" srcOrd="6" destOrd="0" parTransId="{E6F7A84C-3C60-432E-9801-0779D3DD2F2F}" sibTransId="{E27C4FE8-03EB-4795-BD80-A217000688F1}"/>
     <dgm:cxn modelId="{0EACBA28-CDBD-4224-A55A-E130DAC42011}" type="presOf" srcId="{6E2CA194-CC32-40D2-B0FD-1F54F66CEF7E}" destId="{10513D86-301B-4B6A-8B17-61D67EF5B4D3}" srcOrd="0" destOrd="0" presId="urn:microsoft.com/office/officeart/2008/layout/LinedList"/>
     <dgm:cxn modelId="{D962BB3B-13D2-404E-BD71-74703714A0CD}" srcId="{DCBEFB5F-EC6F-4D41-A86C-369F924B4959}" destId="{659B72C5-9B1F-4355-B90E-2EA08116934A}" srcOrd="5" destOrd="0" parTransId="{F59E679C-0A12-45A4-BE5E-A6B8CE2D4717}" sibTransId="{2671F02F-DDCB-4042-B05C-26CA75CD7214}"/>
-    <dgm:cxn modelId="{EB9B9969-3F66-478A-9A5C-FAE453A5C895}" srcId="{DCBEFB5F-EC6F-4D41-A86C-369F924B4959}" destId="{F99B7FC4-59FA-4BB4-A3B7-194416AB3383}" srcOrd="3" destOrd="0" parTransId="{EB56AD57-10E9-4111-AD67-853E4D6532EA}" sibTransId="{7A70107A-B424-457F-9829-F3F11B432D9C}"/>
     <dgm:cxn modelId="{542E2F4A-22E4-494E-9721-BB4C63CA0C6D}" type="presOf" srcId="{DCBEFB5F-EC6F-4D41-A86C-369F924B4959}" destId="{B20D6230-DFDE-48F9-8001-2AC1635A64A9}" srcOrd="0" destOrd="0" presId="urn:microsoft.com/office/officeart/2008/layout/LinedList"/>
     <dgm:cxn modelId="{760B645A-F1C7-48FE-A8D4-7914445E7C90}" srcId="{DCBEFB5F-EC6F-4D41-A86C-369F924B4959}" destId="{9C324A2E-5293-46BE-B2C4-7C261839BFCC}" srcOrd="1" destOrd="0" parTransId="{4AE75802-C657-48BF-96DA-61ED3E556637}" sibTransId="{95182F72-1845-4A88-8314-4962A8EA918D}"/>
+    <dgm:cxn modelId="{EB9B9969-3F66-478A-9A5C-FAE453A5C895}" srcId="{DCBEFB5F-EC6F-4D41-A86C-369F924B4959}" destId="{F99B7FC4-59FA-4BB4-A3B7-194416AB3383}" srcOrd="3" destOrd="0" parTransId="{EB56AD57-10E9-4111-AD67-853E4D6532EA}" sibTransId="{7A70107A-B424-457F-9829-F3F11B432D9C}"/>
     <dgm:cxn modelId="{1615237D-5D9F-482F-9D4A-1477F310A232}" type="presOf" srcId="{71DFF0E3-DF95-4D98-B1B1-6BC548498A96}" destId="{7D6A299C-847B-46CF-916C-958B6B36EC52}" srcOrd="0" destOrd="0" presId="urn:microsoft.com/office/officeart/2008/layout/LinedList"/>
     <dgm:cxn modelId="{07D3967E-D530-4B58-9E83-ED0116672214}" type="presOf" srcId="{6463B9F5-0483-498F-AE1F-A07A5F0BCC70}" destId="{F3A0563E-E88C-479E-A0CB-7134D8D6AEA3}" srcOrd="0" destOrd="0" presId="urn:microsoft.com/office/officeart/2008/layout/LinedList"/>
     <dgm:cxn modelId="{01CB2090-61A3-467E-A377-F66C8A4348B6}" type="presOf" srcId="{F99B7FC4-59FA-4BB4-A3B7-194416AB3383}" destId="{CAF587D2-5DFF-4D29-ACBC-1F0DF57A6B7B}" srcOrd="0" destOrd="0" presId="urn:microsoft.com/office/officeart/2008/layout/LinedList"/>
@@ -5977,7 +5977,7 @@
           <a:p>
             <a:fld id="{966D5B4E-BF3E-3B45-A4BA-D6C3B92870D7}" type="datetimeFigureOut">
               <a:rPr lang="en-US" smtClean="0"/>
-              <a:t>11/13/2022</a:t>
+              <a:t>11/14/22</a:t>
             </a:fld>
             <a:endParaRPr lang="en-US" dirty="0"/>
           </a:p>
@@ -6154,7 +6154,7 @@
           <a:p>
             <a:fld id="{F5A8621B-8C8E-49BA-8772-41D0FE75A082}" type="datetimeFigureOut">
               <a:rPr lang="en-US" smtClean="0"/>
-              <a:t>11/13/2022</a:t>
+              <a:t>11/14/22</a:t>
             </a:fld>
             <a:endParaRPr lang="en-US" dirty="0"/>
           </a:p>
@@ -13771,7 +13771,7 @@
                 <a:ea typeface="+mn-ea"/>
                 <a:cs typeface="+mn-cs"/>
               </a:rPr>
-              <a:t>Train model score: 94%</a:t>
+              <a:t>Train model score: 93.1%</a:t>
             </a:r>
           </a:p>
           <a:p>
@@ -13807,7 +13807,7 @@
                 <a:ea typeface="+mn-ea"/>
                 <a:cs typeface="+mn-cs"/>
               </a:rPr>
-              <a:t>Test model score: 89.48%</a:t>
+              <a:t>Test model score: 88.2%</a:t>
             </a:r>
           </a:p>
           <a:p>
@@ -13843,7 +13843,7 @@
                 <a:ea typeface="+mn-ea"/>
                 <a:cs typeface="+mn-cs"/>
               </a:rPr>
-              <a:t>Accuracy: 84%</a:t>
+              <a:t>Accuracy: 88%</a:t>
             </a:r>
           </a:p>
           <a:p>
@@ -13882,13 +13882,13 @@
               <a:t>TP: </a:t>
             </a:r>
             <a:r>
-              <a:rPr lang="en-GB" sz="1600" spc="0">
+              <a:rPr lang="en-GB" sz="1600" spc="0" dirty="0">
                 <a:solidFill>
                   <a:schemeClr val="bg1"/>
                 </a:solidFill>
                 <a:latin typeface="Calibri" panose="020F0502020204030204"/>
               </a:rPr>
-              <a:t>208</a:t>
+              <a:t>139</a:t>
             </a:r>
             <a:endParaRPr kumimoji="0" lang="en-GB" sz="1600" b="0" i="0" u="none" strike="noStrike" kern="1200" cap="none" spc="0" normalizeH="0" baseline="0" noProof="0" dirty="0">
               <a:ln>
@@ -13938,7 +13938,7 @@
                 <a:ea typeface="+mn-ea"/>
                 <a:cs typeface="+mn-cs"/>
               </a:rPr>
-              <a:t>TN: 1260</a:t>
+              <a:t>TN: 965</a:t>
             </a:r>
           </a:p>
           <a:p>
@@ -13983,7 +13983,7 @@
                 </a:solidFill>
                 <a:latin typeface="Calibri" panose="020F0502020204030204"/>
               </a:rPr>
-              <a:t>170</a:t>
+              <a:t>48</a:t>
             </a:r>
             <a:endParaRPr kumimoji="0" lang="en-GB" sz="1600" b="0" i="0" u="none" strike="noStrike" kern="1200" cap="none" spc="0" normalizeH="0" baseline="0" noProof="0" dirty="0">
               <a:ln>
@@ -14036,13 +14036,13 @@
               <a:t>FN: </a:t>
             </a:r>
             <a:r>
-              <a:rPr lang="en-GB" sz="1600" spc="0" dirty="0">
+              <a:rPr lang="en-GB" sz="1600" spc="0">
                 <a:solidFill>
                   <a:schemeClr val="bg1"/>
                 </a:solidFill>
                 <a:latin typeface="Calibri" panose="020F0502020204030204"/>
               </a:rPr>
-              <a:t>112</a:t>
+              <a:t>98</a:t>
             </a:r>
             <a:endParaRPr kumimoji="0" lang="en-GB" sz="1600" b="0" i="0" u="none" strike="noStrike" kern="1200" cap="none" spc="0" normalizeH="0" baseline="0" noProof="0" dirty="0">
               <a:ln>
@@ -21199,12 +21199,12 @@
 </file>
 
 <file path=customXml/item1.xml><?xml version="1.0" encoding="utf-8"?>
-<?mso-contentType ?>
-<FormTemplates xmlns="http://schemas.microsoft.com/sharepoint/v3/contenttype/forms">
-  <Display>DocumentLibraryForm</Display>
-  <Edit>DocumentLibraryForm</Edit>
-  <New>DocumentLibraryForm</New>
-</FormTemplates>
+<p:properties xmlns:p="http://schemas.microsoft.com/office/2006/metadata/properties" xmlns:xsi="http://www.w3.org/2001/XMLSchema-instance" xmlns:pc="http://schemas.microsoft.com/office/infopath/2007/PartnerControls">
+  <documentManagement>
+    <Status xmlns="71af3243-3dd4-4a8d-8c0d-dd76da1f02a5">Not started</Status>
+    <MediaServiceKeyPoints xmlns="71af3243-3dd4-4a8d-8c0d-dd76da1f02a5" xsi:nil="true"/>
+  </documentManagement>
+</p:properties>
 </file>
 
 <file path=customXml/item2.xml><?xml version="1.0" encoding="utf-8"?>
@@ -21429,18 +21429,20 @@
 </file>
 
 <file path=customXml/item3.xml><?xml version="1.0" encoding="utf-8"?>
-<p:properties xmlns:p="http://schemas.microsoft.com/office/2006/metadata/properties" xmlns:xsi="http://www.w3.org/2001/XMLSchema-instance" xmlns:pc="http://schemas.microsoft.com/office/infopath/2007/PartnerControls">
-  <documentManagement>
-    <Status xmlns="71af3243-3dd4-4a8d-8c0d-dd76da1f02a5">Not started</Status>
-    <MediaServiceKeyPoints xmlns="71af3243-3dd4-4a8d-8c0d-dd76da1f02a5" xsi:nil="true"/>
-  </documentManagement>
-</p:properties>
+<?mso-contentType ?>
+<FormTemplates xmlns="http://schemas.microsoft.com/sharepoint/v3/contenttype/forms">
+  <Display>DocumentLibraryForm</Display>
+  <Edit>DocumentLibraryForm</Edit>
+  <New>DocumentLibraryForm</New>
+</FormTemplates>
 </file>
 
 <file path=customXml/itemProps1.xml><?xml version="1.0" encoding="utf-8"?>
-<ds:datastoreItem xmlns:ds="http://schemas.openxmlformats.org/officeDocument/2006/customXml" ds:itemID="{1B7E2D32-4FDD-4266-880C-17595B801432}">
+<ds:datastoreItem xmlns:ds="http://schemas.openxmlformats.org/officeDocument/2006/customXml" ds:itemID="{E3D9F223-918A-45AF-9B53-56AB9E5E2182}">
   <ds:schemaRefs>
-    <ds:schemaRef ds:uri="http://schemas.microsoft.com/sharepoint/v3/contenttype/forms"/>
+    <ds:schemaRef ds:uri="http://schemas.microsoft.com/office/2006/metadata/properties"/>
+    <ds:schemaRef ds:uri="http://schemas.microsoft.com/office/infopath/2007/PartnerControls"/>
+    <ds:schemaRef ds:uri="71af3243-3dd4-4a8d-8c0d-dd76da1f02a5"/>
   </ds:schemaRefs>
 </ds:datastoreItem>
 </file>
@@ -21465,11 +21467,9 @@
 </file>
 
 <file path=customXml/itemProps3.xml><?xml version="1.0" encoding="utf-8"?>
-<ds:datastoreItem xmlns:ds="http://schemas.openxmlformats.org/officeDocument/2006/customXml" ds:itemID="{E3D9F223-918A-45AF-9B53-56AB9E5E2182}">
+<ds:datastoreItem xmlns:ds="http://schemas.openxmlformats.org/officeDocument/2006/customXml" ds:itemID="{1B7E2D32-4FDD-4266-880C-17595B801432}">
   <ds:schemaRefs>
-    <ds:schemaRef ds:uri="http://schemas.microsoft.com/office/2006/metadata/properties"/>
-    <ds:schemaRef ds:uri="http://schemas.microsoft.com/office/infopath/2007/PartnerControls"/>
-    <ds:schemaRef ds:uri="71af3243-3dd4-4a8d-8c0d-dd76da1f02a5"/>
+    <ds:schemaRef ds:uri="http://schemas.microsoft.com/sharepoint/v3/contenttype/forms"/>
   </ds:schemaRefs>
 </ds:datastoreItem>
 </file>